--- a/DraftSlides/Lecture0.pptx
+++ b/DraftSlides/Lecture0.pptx
@@ -226,14 +226,6 @@
     </p:ext>
   </p:extLst>
 </p:presentation>
-</file>
-
-<file path=ppt/revisionInfo.xml><?xml version="1.0" encoding="utf-8"?>
-<p1510:revInfo xmlns:a="http://schemas.openxmlformats.org/drawingml/2006/main" xmlns:r="http://schemas.openxmlformats.org/officeDocument/2006/relationships" xmlns:p1510="http://schemas.microsoft.com/office/powerpoint/2015/10/main">
-  <p1510:revLst>
-    <p1510:client id="{867975DE-B32B-8644-96FA-F6B4216DD903}" v="69" dt="2021-09-01T05:58:52.943"/>
-  </p1510:revLst>
-</p1510:revInfo>
 </file>
 
 <file path=ppt/changesInfos/changesInfo1.xml><?xml version="1.0" encoding="utf-8"?>
@@ -1142,6 +1134,30 @@
           </pc:picChg>
         </pc:sldLayoutChg>
       </pc:sldMasterChg>
+    </pc:docChg>
+  </pc:docChgLst>
+  <pc:docChgLst>
+    <pc:chgData name="Khattab, Sherif" userId="c83b1e15-36f3-4f46-aceb-05aac24c545e" providerId="ADAL" clId="{8A50915D-7139-43A4-A026-D46E233F76D0}"/>
+    <pc:docChg chg="modSld">
+      <pc:chgData name="Khattab, Sherif" userId="c83b1e15-36f3-4f46-aceb-05aac24c545e" providerId="ADAL" clId="{8A50915D-7139-43A4-A026-D46E233F76D0}" dt="2021-09-02T15:26:20.524" v="0" actId="21"/>
+      <pc:docMkLst>
+        <pc:docMk/>
+      </pc:docMkLst>
+      <pc:sldChg chg="modSp mod">
+        <pc:chgData name="Khattab, Sherif" userId="c83b1e15-36f3-4f46-aceb-05aac24c545e" providerId="ADAL" clId="{8A50915D-7139-43A4-A026-D46E233F76D0}" dt="2021-09-02T15:26:20.524" v="0" actId="21"/>
+        <pc:sldMkLst>
+          <pc:docMk/>
+          <pc:sldMk cId="2649896979" sldId="270"/>
+        </pc:sldMkLst>
+        <pc:spChg chg="mod">
+          <ac:chgData name="Khattab, Sherif" userId="c83b1e15-36f3-4f46-aceb-05aac24c545e" providerId="ADAL" clId="{8A50915D-7139-43A4-A026-D46E233F76D0}" dt="2021-09-02T15:26:20.524" v="0" actId="21"/>
+          <ac:spMkLst>
+            <pc:docMk/>
+            <pc:sldMk cId="2649896979" sldId="270"/>
+            <ac:spMk id="135" creationId="{00000000-0000-0000-0000-000000000000}"/>
+          </ac:spMkLst>
+        </pc:spChg>
+      </pc:sldChg>
     </pc:docChg>
   </pc:docChgLst>
   <pc:docChgLst>
@@ -7957,7 +7973,7 @@
           <a:p>
             <a:fld id="{E98E3CD5-59C7-5D4B-94B5-AABB2E99B94E}" type="datetimeFigureOut">
               <a:rPr lang="en-US" smtClean="0"/>
-              <a:t>9/1/21</a:t>
+              <a:t>9/2/2021</a:t>
             </a:fld>
             <a:endParaRPr lang="en-US"/>
           </a:p>
@@ -8127,7 +8143,7 @@
           <a:p>
             <a:fld id="{E98E3CD5-59C7-5D4B-94B5-AABB2E99B94E}" type="datetimeFigureOut">
               <a:rPr lang="en-US" smtClean="0"/>
-              <a:t>9/1/21</a:t>
+              <a:t>9/2/2021</a:t>
             </a:fld>
             <a:endParaRPr lang="en-US"/>
           </a:p>
@@ -8373,7 +8389,7 @@
           <a:p>
             <a:fld id="{E98E3CD5-59C7-5D4B-94B5-AABB2E99B94E}" type="datetimeFigureOut">
               <a:rPr lang="en-US" smtClean="0"/>
-              <a:t>9/1/21</a:t>
+              <a:t>9/2/2021</a:t>
             </a:fld>
             <a:endParaRPr lang="en-US"/>
           </a:p>
@@ -8825,7 +8841,7 @@
           <a:p>
             <a:fld id="{E98E3CD5-59C7-5D4B-94B5-AABB2E99B94E}" type="datetimeFigureOut">
               <a:rPr lang="en-US" smtClean="0"/>
-              <a:t>9/1/21</a:t>
+              <a:t>9/2/2021</a:t>
             </a:fld>
             <a:endParaRPr lang="en-US"/>
           </a:p>
@@ -9192,7 +9208,7 @@
           <a:p>
             <a:fld id="{E98E3CD5-59C7-5D4B-94B5-AABB2E99B94E}" type="datetimeFigureOut">
               <a:rPr lang="en-US" smtClean="0"/>
-              <a:t>9/1/21</a:t>
+              <a:t>9/2/2021</a:t>
             </a:fld>
             <a:endParaRPr lang="en-US"/>
           </a:p>
@@ -9310,7 +9326,7 @@
           <a:p>
             <a:fld id="{E98E3CD5-59C7-5D4B-94B5-AABB2E99B94E}" type="datetimeFigureOut">
               <a:rPr lang="en-US" smtClean="0"/>
-              <a:t>9/1/21</a:t>
+              <a:t>9/2/2021</a:t>
             </a:fld>
             <a:endParaRPr lang="en-US"/>
           </a:p>
@@ -9405,7 +9421,7 @@
           <a:p>
             <a:fld id="{E98E3CD5-59C7-5D4B-94B5-AABB2E99B94E}" type="datetimeFigureOut">
               <a:rPr lang="en-US" smtClean="0"/>
-              <a:t>9/1/21</a:t>
+              <a:t>9/2/2021</a:t>
             </a:fld>
             <a:endParaRPr lang="en-US"/>
           </a:p>
@@ -9682,7 +9698,7 @@
           <a:p>
             <a:fld id="{E98E3CD5-59C7-5D4B-94B5-AABB2E99B94E}" type="datetimeFigureOut">
               <a:rPr lang="en-US" smtClean="0"/>
-              <a:t>9/1/21</a:t>
+              <a:t>9/2/2021</a:t>
             </a:fld>
             <a:endParaRPr lang="en-US"/>
           </a:p>
@@ -9939,7 +9955,7 @@
           <a:p>
             <a:fld id="{E98E3CD5-59C7-5D4B-94B5-AABB2E99B94E}" type="datetimeFigureOut">
               <a:rPr lang="en-US" smtClean="0"/>
-              <a:t>9/1/21</a:t>
+              <a:t>9/2/2021</a:t>
             </a:fld>
             <a:endParaRPr lang="en-US"/>
           </a:p>
@@ -10109,7 +10125,7 @@
           <a:p>
             <a:fld id="{E98E3CD5-59C7-5D4B-94B5-AABB2E99B94E}" type="datetimeFigureOut">
               <a:rPr lang="en-US" smtClean="0"/>
-              <a:t>9/1/21</a:t>
+              <a:t>9/2/2021</a:t>
             </a:fld>
             <a:endParaRPr lang="en-US"/>
           </a:p>
@@ -10289,7 +10305,7 @@
           <a:p>
             <a:fld id="{E98E3CD5-59C7-5D4B-94B5-AABB2E99B94E}" type="datetimeFigureOut">
               <a:rPr lang="en-US" smtClean="0"/>
-              <a:t>9/1/21</a:t>
+              <a:t>9/2/2021</a:t>
             </a:fld>
             <a:endParaRPr lang="en-US"/>
           </a:p>
@@ -10739,7 +10755,7 @@
             <a:fld id="{E0C8DACD-4E35-4E4C-AC75-C3DE50F04E7E}" type="datetime1">
               <a:rPr lang="en-US" smtClean="0"/>
               <a:pPr/>
-              <a:t>9/1/21</a:t>
+              <a:t>9/2/2021</a:t>
             </a:fld>
             <a:endParaRPr lang="en-US" dirty="0"/>
           </a:p>
@@ -13172,7 +13188,7 @@
           <a:p>
             <a:fld id="{E98E3CD5-59C7-5D4B-94B5-AABB2E99B94E}" type="datetimeFigureOut">
               <a:rPr lang="en-US" smtClean="0"/>
-              <a:t>9/1/21</a:t>
+              <a:t>9/2/2021</a:t>
             </a:fld>
             <a:endParaRPr lang="en-US"/>
           </a:p>
@@ -14445,7 +14461,7 @@
                 <a:buClrTx/>
                 <a:buSzTx/>
               </a:pPr>
-              <a:t>9/1/21</a:t>
+              <a:t>9/2/2021</a:t>
             </a:fld>
             <a:endParaRPr lang="en-US" dirty="0">
               <a:solidFill>
@@ -15626,7 +15642,7 @@
                 <a:buClrTx/>
                 <a:buSzTx/>
               </a:pPr>
-              <a:t>9/1/21</a:t>
+              <a:t>9/2/2021</a:t>
             </a:fld>
             <a:endParaRPr lang="en-US" dirty="0">
               <a:solidFill>
@@ -19375,14 +19391,14 @@
               </a:lnSpc>
             </a:pPr>
             <a:r>
-              <a:rPr lang="en">
+              <a:rPr lang="en" dirty="0">
                 <a:solidFill>
                   <a:srgbClr val="002B5E"/>
                 </a:solidFill>
               </a:rPr>
               <a:t>Big Omega</a:t>
             </a:r>
-            <a:endParaRPr>
+            <a:endParaRPr dirty="0">
               <a:solidFill>
                 <a:srgbClr val="002B5E"/>
               </a:solidFill>
@@ -19395,14 +19411,14 @@
               </a:lnSpc>
             </a:pPr>
             <a:r>
-              <a:rPr lang="en">
+              <a:rPr lang="en" dirty="0">
                 <a:solidFill>
                   <a:srgbClr val="002B5E"/>
                 </a:solidFill>
               </a:rPr>
               <a:t>Lower bound on asymptotic performance</a:t>
             </a:r>
-            <a:endParaRPr>
+            <a:endParaRPr dirty="0">
               <a:solidFill>
                 <a:srgbClr val="002B5E"/>
               </a:solidFill>
@@ -19418,14 +19434,14 @@
               </a:spcBef>
             </a:pPr>
             <a:r>
-              <a:rPr lang="en">
+              <a:rPr lang="en" dirty="0">
                 <a:solidFill>
                   <a:srgbClr val="002B5E"/>
                 </a:solidFill>
               </a:rPr>
               <a:t>Theta</a:t>
             </a:r>
-            <a:endParaRPr>
+            <a:endParaRPr dirty="0">
               <a:solidFill>
                 <a:srgbClr val="002B5E"/>
               </a:solidFill>
@@ -19438,14 +19454,14 @@
               </a:lnSpc>
             </a:pPr>
             <a:r>
-              <a:rPr lang="en">
+              <a:rPr lang="en" dirty="0">
                 <a:solidFill>
                   <a:srgbClr val="002B5E"/>
                 </a:solidFill>
               </a:rPr>
               <a:t>Upper and Lower bound on asymptotic performance</a:t>
             </a:r>
-            <a:endParaRPr>
+            <a:endParaRPr dirty="0">
               <a:solidFill>
                 <a:srgbClr val="002B5E"/>
               </a:solidFill>
@@ -19465,28 +19481,11 @@
               </a:rPr>
               <a:t>Exact bound</a:t>
             </a:r>
-          </a:p>
-          <a:p>
-            <a:pPr>
-              <a:lnSpc>
-                <a:spcPct val="150000"/>
-              </a:lnSpc>
-            </a:pPr>
-            <a:r>
-              <a:rPr lang="en-US"/>
-              <a:t>Tilde approximation</a:t>
-            </a:r>
-          </a:p>
-          <a:p>
-            <a:pPr lvl="1">
-              <a:lnSpc>
-                <a:spcPct val="150000"/>
-              </a:lnSpc>
-            </a:pPr>
-            <a:r>
-              <a:rPr lang="en-US"/>
-              <a:t>Same as Theta but with constant factors</a:t>
-            </a:r>
+            <a:endParaRPr lang="en" dirty="0">
+              <a:solidFill>
+                <a:srgbClr val="002B5E"/>
+              </a:solidFill>
+            </a:endParaRPr>
           </a:p>
         </p:txBody>
       </p:sp>
@@ -19900,128 +19899,6 @@
                       </p:childTnLst>
                     </p:cTn>
                   </p:par>
-                  <p:par>
-                    <p:cTn id="28" fill="hold">
-                      <p:stCondLst>
-                        <p:cond delay="indefinite"/>
-                      </p:stCondLst>
-                      <p:childTnLst>
-                        <p:par>
-                          <p:cTn id="29" fill="hold">
-                            <p:stCondLst>
-                              <p:cond delay="0"/>
-                            </p:stCondLst>
-                            <p:childTnLst>
-                              <p:par>
-                                <p:cTn id="30" presetID="10" presetClass="entr" presetSubtype="0" fill="hold" nodeType="clickEffect">
-                                  <p:stCondLst>
-                                    <p:cond delay="0"/>
-                                  </p:stCondLst>
-                                  <p:childTnLst>
-                                    <p:set>
-                                      <p:cBhvr>
-                                        <p:cTn id="31" dur="1" fill="hold">
-                                          <p:stCondLst>
-                                            <p:cond delay="0"/>
-                                          </p:stCondLst>
-                                        </p:cTn>
-                                        <p:tgtEl>
-                                          <p:spTgt spid="135">
-                                            <p:txEl>
-                                              <p:pRg st="5" end="5"/>
-                                            </p:txEl>
-                                          </p:spTgt>
-                                        </p:tgtEl>
-                                        <p:attrNameLst>
-                                          <p:attrName>style.visibility</p:attrName>
-                                        </p:attrNameLst>
-                                      </p:cBhvr>
-                                      <p:to>
-                                        <p:strVal val="visible"/>
-                                      </p:to>
-                                    </p:set>
-                                    <p:animEffect transition="in" filter="fade">
-                                      <p:cBhvr>
-                                        <p:cTn id="32" dur="100"/>
-                                        <p:tgtEl>
-                                          <p:spTgt spid="135">
-                                            <p:txEl>
-                                              <p:pRg st="5" end="5"/>
-                                            </p:txEl>
-                                          </p:spTgt>
-                                        </p:tgtEl>
-                                      </p:cBhvr>
-                                    </p:animEffect>
-                                  </p:childTnLst>
-                                </p:cTn>
-                              </p:par>
-                            </p:childTnLst>
-                          </p:cTn>
-                        </p:par>
-                      </p:childTnLst>
-                    </p:cTn>
-                  </p:par>
-                  <p:par>
-                    <p:cTn id="33" fill="hold">
-                      <p:stCondLst>
-                        <p:cond delay="indefinite"/>
-                      </p:stCondLst>
-                      <p:childTnLst>
-                        <p:par>
-                          <p:cTn id="34" fill="hold">
-                            <p:stCondLst>
-                              <p:cond delay="0"/>
-                            </p:stCondLst>
-                            <p:childTnLst>
-                              <p:par>
-                                <p:cTn id="35" presetID="10" presetClass="entr" presetSubtype="0" fill="hold" nodeType="clickEffect">
-                                  <p:stCondLst>
-                                    <p:cond delay="0"/>
-                                  </p:stCondLst>
-                                  <p:childTnLst>
-                                    <p:set>
-                                      <p:cBhvr>
-                                        <p:cTn id="36" dur="1" fill="hold">
-                                          <p:stCondLst>
-                                            <p:cond delay="0"/>
-                                          </p:stCondLst>
-                                        </p:cTn>
-                                        <p:tgtEl>
-                                          <p:spTgt spid="135">
-                                            <p:txEl>
-                                              <p:pRg st="6" end="6"/>
-                                            </p:txEl>
-                                          </p:spTgt>
-                                        </p:tgtEl>
-                                        <p:attrNameLst>
-                                          <p:attrName>style.visibility</p:attrName>
-                                        </p:attrNameLst>
-                                      </p:cBhvr>
-                                      <p:to>
-                                        <p:strVal val="visible"/>
-                                      </p:to>
-                                    </p:set>
-                                    <p:animEffect transition="in" filter="fade">
-                                      <p:cBhvr>
-                                        <p:cTn id="37" dur="100"/>
-                                        <p:tgtEl>
-                                          <p:spTgt spid="135">
-                                            <p:txEl>
-                                              <p:pRg st="6" end="6"/>
-                                            </p:txEl>
-                                          </p:spTgt>
-                                        </p:tgtEl>
-                                      </p:cBhvr>
-                                    </p:animEffect>
-                                  </p:childTnLst>
-                                </p:cTn>
-                              </p:par>
-                            </p:childTnLst>
-                          </p:cTn>
-                        </p:par>
-                      </p:childTnLst>
-                    </p:cTn>
-                  </p:par>
                 </p:childTnLst>
               </p:cTn>
               <p:prevCondLst>
@@ -20092,8 +19969,8 @@
           </a:p>
         </p:txBody>
       </p:sp>
-      <mc:AlternateContent xmlns:mc="http://schemas.openxmlformats.org/markup-compatibility/2006">
-        <mc:Choice xmlns:a14="http://schemas.microsoft.com/office/drawing/2010/main" Requires="a14">
+      <mc:AlternateContent xmlns:mc="http://schemas.openxmlformats.org/markup-compatibility/2006" xmlns:a14="http://schemas.microsoft.com/office/drawing/2010/main">
+        <mc:Choice Requires="a14">
           <p:sp>
             <p:nvSpPr>
               <p:cNvPr id="3" name="Content Placeholder 2">
@@ -20433,7 +20310,7 @@
             </p:txBody>
           </p:sp>
         </mc:Choice>
-        <mc:Fallback>
+        <mc:Fallback xmlns="">
           <p:sp>
             <p:nvSpPr>
               <p:cNvPr id="3" name="Content Placeholder 2">
